--- a/slides/Chapter7.pptx
+++ b/slides/Chapter7.pptx
@@ -222,7 +222,7 @@
           <a:p>
             <a:fld id="{D2A48B96-639E-45A3-A0BA-2464DFDB1FAA}" type="datetimeFigureOut">
               <a:rPr lang="zh-CN" altLang="en-US" smtClean="0"/>
-              <a:t>2023/1/13</a:t>
+              <a:t>2023/1/25</a:t>
             </a:fld>
             <a:endParaRPr lang="zh-CN" altLang="en-US"/>
           </a:p>
@@ -1662,7 +1662,7 @@
           <a:p>
             <a:fld id="{D997B5FA-0921-464F-AAE1-844C04324D75}" type="datetimeFigureOut">
               <a:rPr lang="zh-CN" altLang="en-US" smtClean="0"/>
-              <a:t>2023/1/13</a:t>
+              <a:t>2023/1/25</a:t>
             </a:fld>
             <a:endParaRPr lang="zh-CN" altLang="en-US"/>
           </a:p>
@@ -1825,7 +1825,7 @@
           <a:p>
             <a:fld id="{D997B5FA-0921-464F-AAE1-844C04324D75}" type="datetimeFigureOut">
               <a:rPr lang="zh-CN" altLang="en-US" smtClean="0"/>
-              <a:t>2023/1/13</a:t>
+              <a:t>2023/1/25</a:t>
             </a:fld>
             <a:endParaRPr lang="zh-CN" altLang="en-US"/>
           </a:p>
@@ -1998,7 +1998,7 @@
           <a:p>
             <a:fld id="{D997B5FA-0921-464F-AAE1-844C04324D75}" type="datetimeFigureOut">
               <a:rPr lang="zh-CN" altLang="en-US" smtClean="0"/>
-              <a:t>2023/1/13</a:t>
+              <a:t>2023/1/25</a:t>
             </a:fld>
             <a:endParaRPr lang="zh-CN" altLang="en-US"/>
           </a:p>
@@ -2672,7 +2672,7 @@
           <a:p>
             <a:fld id="{760FBDFE-C587-4B4C-A407-44438C67B59E}" type="datetimeFigureOut">
               <a:rPr lang="zh-CN" altLang="en-US" smtClean="0"/>
-              <a:t>2023/1/13</a:t>
+              <a:t>2023/1/25</a:t>
             </a:fld>
             <a:endParaRPr lang="zh-CN" altLang="en-US"/>
           </a:p>
@@ -3540,7 +3540,7 @@
           <a:p>
             <a:fld id="{760FBDFE-C587-4B4C-A407-44438C67B59E}" type="datetimeFigureOut">
               <a:rPr lang="zh-CN" altLang="en-US" smtClean="0"/>
-              <a:t>2023/1/13</a:t>
+              <a:t>2023/1/25</a:t>
             </a:fld>
             <a:endParaRPr lang="zh-CN" altLang="en-US"/>
           </a:p>
@@ -4348,7 +4348,7 @@
           <a:p>
             <a:fld id="{760FBDFE-C587-4B4C-A407-44438C67B59E}" type="datetimeFigureOut">
               <a:rPr lang="zh-CN" altLang="en-US" smtClean="0"/>
-              <a:t>2023/1/13</a:t>
+              <a:t>2023/1/25</a:t>
             </a:fld>
             <a:endParaRPr lang="zh-CN" altLang="en-US"/>
           </a:p>
@@ -5085,7 +5085,7 @@
           <a:p>
             <a:fld id="{760FBDFE-C587-4B4C-A407-44438C67B59E}" type="datetimeFigureOut">
               <a:rPr lang="zh-CN" altLang="en-US" smtClean="0"/>
-              <a:t>2023/1/13</a:t>
+              <a:t>2023/1/25</a:t>
             </a:fld>
             <a:endParaRPr lang="zh-CN" altLang="en-US"/>
           </a:p>
@@ -6066,7 +6066,7 @@
           <a:p>
             <a:fld id="{760FBDFE-C587-4B4C-A407-44438C67B59E}" type="datetimeFigureOut">
               <a:rPr lang="zh-CN" altLang="en-US" smtClean="0"/>
-              <a:t>2023/1/13</a:t>
+              <a:t>2023/1/25</a:t>
             </a:fld>
             <a:endParaRPr lang="zh-CN" altLang="en-US"/>
           </a:p>
@@ -6689,7 +6689,7 @@
           <a:p>
             <a:fld id="{760FBDFE-C587-4B4C-A407-44438C67B59E}" type="datetimeFigureOut">
               <a:rPr lang="zh-CN" altLang="en-US" smtClean="0"/>
-              <a:t>2023/1/13</a:t>
+              <a:t>2023/1/25</a:t>
             </a:fld>
             <a:endParaRPr lang="zh-CN" altLang="en-US"/>
           </a:p>
@@ -6796,7 +6796,7 @@
           <a:p>
             <a:fld id="{760FBDFE-C587-4B4C-A407-44438C67B59E}" type="datetimeFigureOut">
               <a:rPr lang="zh-CN" altLang="en-US" smtClean="0"/>
-              <a:t>2023/1/13</a:t>
+              <a:t>2023/1/25</a:t>
             </a:fld>
             <a:endParaRPr lang="zh-CN" altLang="en-US"/>
           </a:p>
@@ -7422,7 +7422,7 @@
           <a:p>
             <a:fld id="{9EFD9D74-47D9-4702-A33C-335B63B48DBF}" type="datetimeFigureOut">
               <a:rPr lang="zh-CN" altLang="en-US" smtClean="0"/>
-              <a:t>2023/1/13</a:t>
+              <a:t>2023/1/25</a:t>
             </a:fld>
             <a:endParaRPr lang="zh-CN" altLang="en-US" dirty="0"/>
           </a:p>
@@ -7617,7 +7617,7 @@
           <a:p>
             <a:fld id="{D997B5FA-0921-464F-AAE1-844C04324D75}" type="datetimeFigureOut">
               <a:rPr lang="zh-CN" altLang="en-US" smtClean="0"/>
-              <a:t>2023/1/13</a:t>
+              <a:t>2023/1/25</a:t>
             </a:fld>
             <a:endParaRPr lang="zh-CN" altLang="en-US"/>
           </a:p>
@@ -8299,7 +8299,7 @@
           <a:p>
             <a:fld id="{760FBDFE-C587-4B4C-A407-44438C67B59E}" type="datetimeFigureOut">
               <a:rPr lang="zh-CN" altLang="en-US" smtClean="0"/>
-              <a:t>2023/1/13</a:t>
+              <a:t>2023/1/25</a:t>
             </a:fld>
             <a:endParaRPr lang="zh-CN" altLang="en-US"/>
           </a:p>
@@ -8835,7 +8835,7 @@
           <a:p>
             <a:fld id="{760FBDFE-C587-4B4C-A407-44438C67B59E}" type="datetimeFigureOut">
               <a:rPr lang="zh-CN" altLang="en-US" smtClean="0"/>
-              <a:t>2023/1/13</a:t>
+              <a:t>2023/1/25</a:t>
             </a:fld>
             <a:endParaRPr lang="zh-CN" altLang="en-US"/>
           </a:p>
@@ -9602,7 +9602,7 @@
           <a:p>
             <a:fld id="{760FBDFE-C587-4B4C-A407-44438C67B59E}" type="datetimeFigureOut">
               <a:rPr lang="zh-CN" altLang="en-US" smtClean="0"/>
-              <a:t>2023/1/13</a:t>
+              <a:t>2023/1/25</a:t>
             </a:fld>
             <a:endParaRPr lang="zh-CN" altLang="en-US"/>
           </a:p>
@@ -10068,7 +10068,7 @@
           <a:p>
             <a:fld id="{760FBDFE-C587-4B4C-A407-44438C67B59E}" type="datetimeFigureOut">
               <a:rPr lang="zh-CN" altLang="en-US" smtClean="0"/>
-              <a:t>2023/1/13</a:t>
+              <a:t>2023/1/25</a:t>
             </a:fld>
             <a:endParaRPr lang="zh-CN" altLang="en-US"/>
           </a:p>
@@ -10758,7 +10758,7 @@
           <a:p>
             <a:fld id="{760FBDFE-C587-4B4C-A407-44438C67B59E}" type="datetimeFigureOut">
               <a:rPr lang="zh-CN" altLang="en-US" smtClean="0"/>
-              <a:t>2023/1/13</a:t>
+              <a:t>2023/1/25</a:t>
             </a:fld>
             <a:endParaRPr lang="zh-CN" altLang="en-US"/>
           </a:p>
@@ -11232,7 +11232,7 @@
           <a:p>
             <a:fld id="{760FBDFE-C587-4B4C-A407-44438C67B59E}" type="datetimeFigureOut">
               <a:rPr lang="zh-CN" altLang="en-US" smtClean="0"/>
-              <a:t>2023/1/13</a:t>
+              <a:t>2023/1/25</a:t>
             </a:fld>
             <a:endParaRPr lang="zh-CN" altLang="en-US" dirty="0"/>
           </a:p>
@@ -11958,7 +11958,7 @@
           <a:p>
             <a:fld id="{760FBDFE-C587-4B4C-A407-44438C67B59E}" type="datetimeFigureOut">
               <a:rPr lang="zh-CN" altLang="en-US" smtClean="0"/>
-              <a:t>2023/1/13</a:t>
+              <a:t>2023/1/25</a:t>
             </a:fld>
             <a:endParaRPr lang="zh-CN" altLang="en-US"/>
           </a:p>
@@ -12598,7 +12598,7 @@
           <a:p>
             <a:fld id="{760FBDFE-C587-4B4C-A407-44438C67B59E}" type="datetimeFigureOut">
               <a:rPr lang="zh-CN" altLang="en-US" smtClean="0"/>
-              <a:t>2023/1/13</a:t>
+              <a:t>2023/1/25</a:t>
             </a:fld>
             <a:endParaRPr lang="zh-CN" altLang="en-US"/>
           </a:p>
@@ -13025,7 +13025,7 @@
           <a:p>
             <a:fld id="{760FBDFE-C587-4B4C-A407-44438C67B59E}" type="datetimeFigureOut">
               <a:rPr lang="zh-CN" altLang="en-US" smtClean="0"/>
-              <a:t>2023/1/13</a:t>
+              <a:t>2023/1/25</a:t>
             </a:fld>
             <a:endParaRPr lang="zh-CN" altLang="en-US"/>
           </a:p>
@@ -14225,7 +14225,7 @@
           <a:p>
             <a:fld id="{760FBDFE-C587-4B4C-A407-44438C67B59E}" type="datetimeFigureOut">
               <a:rPr lang="zh-CN" altLang="en-US" smtClean="0"/>
-              <a:t>2023/1/13</a:t>
+              <a:t>2023/1/25</a:t>
             </a:fld>
             <a:endParaRPr lang="zh-CN" altLang="en-US"/>
           </a:p>
@@ -14544,7 +14544,7 @@
           <a:p>
             <a:fld id="{D997B5FA-0921-464F-AAE1-844C04324D75}" type="datetimeFigureOut">
               <a:rPr lang="zh-CN" altLang="en-US" smtClean="0"/>
-              <a:t>2023/1/13</a:t>
+              <a:t>2023/1/25</a:t>
             </a:fld>
             <a:endParaRPr lang="zh-CN" altLang="en-US"/>
           </a:p>
@@ -14768,7 +14768,7 @@
           <a:p>
             <a:fld id="{D997B5FA-0921-464F-AAE1-844C04324D75}" type="datetimeFigureOut">
               <a:rPr lang="zh-CN" altLang="en-US" smtClean="0"/>
-              <a:t>2023/1/13</a:t>
+              <a:t>2023/1/25</a:t>
             </a:fld>
             <a:endParaRPr lang="zh-CN" altLang="en-US"/>
           </a:p>
@@ -15127,7 +15127,7 @@
           <a:p>
             <a:fld id="{D997B5FA-0921-464F-AAE1-844C04324D75}" type="datetimeFigureOut">
               <a:rPr lang="zh-CN" altLang="en-US" smtClean="0"/>
-              <a:t>2023/1/13</a:t>
+              <a:t>2023/1/25</a:t>
             </a:fld>
             <a:endParaRPr lang="zh-CN" altLang="en-US"/>
           </a:p>
@@ -15239,7 +15239,7 @@
           <a:p>
             <a:fld id="{D997B5FA-0921-464F-AAE1-844C04324D75}" type="datetimeFigureOut">
               <a:rPr lang="zh-CN" altLang="en-US" smtClean="0"/>
-              <a:t>2023/1/13</a:t>
+              <a:t>2023/1/25</a:t>
             </a:fld>
             <a:endParaRPr lang="zh-CN" altLang="en-US"/>
           </a:p>
@@ -15329,7 +15329,7 @@
           <a:p>
             <a:fld id="{D997B5FA-0921-464F-AAE1-844C04324D75}" type="datetimeFigureOut">
               <a:rPr lang="zh-CN" altLang="en-US" smtClean="0"/>
-              <a:t>2023/1/13</a:t>
+              <a:t>2023/1/25</a:t>
             </a:fld>
             <a:endParaRPr lang="zh-CN" altLang="en-US"/>
           </a:p>
@@ -15599,7 +15599,7 @@
           <a:p>
             <a:fld id="{D997B5FA-0921-464F-AAE1-844C04324D75}" type="datetimeFigureOut">
               <a:rPr lang="zh-CN" altLang="en-US" smtClean="0"/>
-              <a:t>2023/1/13</a:t>
+              <a:t>2023/1/25</a:t>
             </a:fld>
             <a:endParaRPr lang="zh-CN" altLang="en-US"/>
           </a:p>
@@ -15846,7 +15846,7 @@
           <a:p>
             <a:fld id="{D997B5FA-0921-464F-AAE1-844C04324D75}" type="datetimeFigureOut">
               <a:rPr lang="zh-CN" altLang="en-US" smtClean="0"/>
-              <a:t>2023/1/13</a:t>
+              <a:t>2023/1/25</a:t>
             </a:fld>
             <a:endParaRPr lang="zh-CN" altLang="en-US"/>
           </a:p>
@@ -16052,7 +16052,7 @@
           <a:p>
             <a:fld id="{D997B5FA-0921-464F-AAE1-844C04324D75}" type="datetimeFigureOut">
               <a:rPr lang="zh-CN" altLang="en-US" smtClean="0"/>
-              <a:t>2023/1/13</a:t>
+              <a:t>2023/1/25</a:t>
             </a:fld>
             <a:endParaRPr lang="zh-CN" altLang="en-US"/>
           </a:p>
@@ -16599,7 +16599,7 @@
           <a:p>
             <a:fld id="{760FBDFE-C587-4B4C-A407-44438C67B59E}" type="datetimeFigureOut">
               <a:rPr lang="zh-CN" altLang="en-US" smtClean="0"/>
-              <a:t>2023/1/13</a:t>
+              <a:t>2023/1/25</a:t>
             </a:fld>
             <a:endParaRPr lang="zh-CN" altLang="en-US"/>
           </a:p>
@@ -17491,8 +17491,8 @@
         </p:nvSpPr>
         <p:spPr>
           <a:xfrm>
-            <a:off x="579600" y="1169784"/>
-            <a:ext cx="5919812" cy="1754326"/>
+            <a:off x="579599" y="1169784"/>
+            <a:ext cx="7031435" cy="1477328"/>
           </a:xfrm>
           <a:prstGeom prst="rect">
             <a:avLst/>
